--- a/WELCOME TO OUR LIBRARY WEBSITRE PRESENTATION.pptx
+++ b/WELCOME TO OUR LIBRARY WEBSITRE PRESENTATION.pptx
@@ -211,7 +211,7 @@
             <a:pPr rtl="0"/>
             <a:fld id="{40A35AA6-64AD-4E94-9D77-0ACD3579546E}" type="datetime1">
               <a:rPr lang="fr-FR" smtClean="0"/>
-              <a:t>16/01/2023</a:t>
+              <a:t>25/05/2023</a:t>
             </a:fld>
             <a:endParaRPr lang="en-US"/>
           </a:p>
@@ -381,7 +381,7 @@
             <a:pPr rtl="0"/>
             <a:fld id="{4BA15211-893F-42F3-8241-F9D96E483485}" type="datetime1">
               <a:rPr lang="fr-FR" smtClean="0"/>
-              <a:t>16/01/2023</a:t>
+              <a:t>25/05/2023</a:t>
             </a:fld>
             <a:endParaRPr lang="en-US"/>
           </a:p>
@@ -1533,7 +1533,7 @@
             <a:pPr rtl="0"/>
             <a:fld id="{6D3EBF46-CD41-4ADB-98F7-060E46B263C6}" type="datetime8">
               <a:rPr lang="fr-FR" noProof="0" smtClean="0"/>
-              <a:t>16/01/2023 08:50</a:t>
+              <a:t>25/05/2023 13:37</a:t>
             </a:fld>
             <a:endParaRPr lang="fr-FR" noProof="0"/>
           </a:p>
@@ -1717,7 +1717,7 @@
             <a:pPr rtl="0"/>
             <a:fld id="{4BE41DEA-C873-4694-9EB4-E2163039A5BA}" type="datetime8">
               <a:rPr lang="fr-FR" noProof="0" smtClean="0"/>
-              <a:t>16/01/2023 08:50</a:t>
+              <a:t>25/05/2023 13:37</a:t>
             </a:fld>
             <a:endParaRPr lang="fr-FR" noProof="0"/>
           </a:p>
@@ -2493,7 +2493,7 @@
             <a:pPr rtl="0"/>
             <a:fld id="{8178D8ED-EFE8-4267-9950-F10DA271B54F}" type="datetime8">
               <a:rPr lang="fr-FR" noProof="0" smtClean="0"/>
-              <a:t>16/01/2023 08:50</a:t>
+              <a:t>25/05/2023 13:37</a:t>
             </a:fld>
             <a:endParaRPr lang="fr-FR" noProof="0"/>
           </a:p>
@@ -2639,7 +2639,7 @@
             <a:pPr rtl="0"/>
             <a:fld id="{1C3CE951-4F20-4EE6-9B6D-994B00073A00}" type="datetime8">
               <a:rPr lang="fr-FR" noProof="0" smtClean="0"/>
-              <a:t>16/01/2023 08:50</a:t>
+              <a:t>25/05/2023 13:37</a:t>
             </a:fld>
             <a:endParaRPr lang="fr-FR" noProof="0"/>
           </a:p>
@@ -2909,7 +2909,7 @@
             <a:pPr rtl="0"/>
             <a:fld id="{D52693B5-F9F1-47A2-BB37-32DBFF2693F2}" type="datetime8">
               <a:rPr lang="fr-FR" noProof="0" smtClean="0"/>
-              <a:t>16/01/2023 08:50</a:t>
+              <a:t>25/05/2023 13:37</a:t>
             </a:fld>
             <a:endParaRPr lang="fr-FR" noProof="0"/>
           </a:p>
@@ -3023,7 +3023,7 @@
             <a:pPr rtl="0"/>
             <a:fld id="{3DE72FF1-A765-4D31-9636-07C7D25A1287}" type="datetime8">
               <a:rPr lang="fr-FR" noProof="0" smtClean="0"/>
-              <a:t>16/01/2023 08:50</a:t>
+              <a:t>25/05/2023 13:37</a:t>
             </a:fld>
             <a:endParaRPr lang="fr-FR" noProof="0"/>
           </a:p>
@@ -3341,7 +3341,7 @@
             <a:pPr rtl="0"/>
             <a:fld id="{2CB6CA28-FCA9-459C-8748-72526E2DB345}" type="datetime8">
               <a:rPr lang="fr-FR" noProof="0" smtClean="0"/>
-              <a:t>16/01/2023 08:50</a:t>
+              <a:t>25/05/2023 13:37</a:t>
             </a:fld>
             <a:endParaRPr lang="fr-FR" noProof="0"/>
           </a:p>
@@ -3560,7 +3560,7 @@
             <a:pPr rtl="0"/>
             <a:fld id="{0139D9DA-8A4D-4B84-B3D2-F242C6ED8F3D}" type="datetime8">
               <a:rPr lang="fr-FR" noProof="0" smtClean="0"/>
-              <a:t>16/01/2023 08:50</a:t>
+              <a:t>25/05/2023 13:37</a:t>
             </a:fld>
             <a:endParaRPr lang="fr-FR" noProof="0"/>
           </a:p>
@@ -4081,7 +4081,7 @@
             <a:pPr rtl="0"/>
             <a:fld id="{743CD9F2-DBAA-49AD-89D4-1C914E14E772}" type="datetime8">
               <a:rPr lang="fr-FR" noProof="0" smtClean="0"/>
-              <a:t>16/01/2023 08:50</a:t>
+              <a:t>25/05/2023 13:37</a:t>
             </a:fld>
             <a:endParaRPr lang="fr-FR" noProof="0"/>
           </a:p>
@@ -4336,7 +4336,7 @@
             <a:pPr rtl="0"/>
             <a:fld id="{681B1AB1-E3C2-4125-8425-7FAC83FB5ECA}" type="datetime8">
               <a:rPr lang="fr-FR" noProof="0" smtClean="0"/>
-              <a:t>16/01/2023 08:50</a:t>
+              <a:t>25/05/2023 13:37</a:t>
             </a:fld>
             <a:endParaRPr lang="fr-FR" noProof="0"/>
           </a:p>
@@ -4534,7 +4534,7 @@
             <a:pPr rtl="0"/>
             <a:fld id="{175D5512-99FE-4317-896B-5A0A7DC990F7}" type="datetime8">
               <a:rPr lang="fr-FR" noProof="0" smtClean="0"/>
-              <a:t>16/01/2023 08:50</a:t>
+              <a:t>25/05/2023 13:37</a:t>
             </a:fld>
             <a:endParaRPr lang="fr-FR" noProof="0"/>
           </a:p>
@@ -4854,7 +4854,7 @@
             <a:pPr rtl="0"/>
             <a:fld id="{7EA79B90-72EA-4F4E-9B3D-8CC28FB9A4AF}" type="datetime8">
               <a:rPr lang="fr-FR" noProof="0" smtClean="0"/>
-              <a:t>16/01/2023 08:50</a:t>
+              <a:t>25/05/2023 13:37</a:t>
             </a:fld>
             <a:endParaRPr lang="fr-FR" noProof="0"/>
           </a:p>
@@ -5050,7 +5050,7 @@
             <a:pPr rtl="0"/>
             <a:fld id="{96D0804B-261F-4474-9FFB-B7B3BED9967F}" type="datetime8">
               <a:rPr lang="fr-FR" noProof="0" smtClean="0"/>
-              <a:t>16/01/2023 08:50</a:t>
+              <a:t>25/05/2023 13:37</a:t>
             </a:fld>
             <a:endParaRPr lang="fr-FR" noProof="0"/>
           </a:p>
@@ -5577,7 +5577,7 @@
             <a:pPr rtl="0"/>
             <a:fld id="{381F0E8B-8940-47D9-9BB8-889EA4A78616}" type="datetime8">
               <a:rPr lang="fr-FR" noProof="0" smtClean="0"/>
-              <a:t>16/01/2023 08:50</a:t>
+              <a:t>25/05/2023 13:37</a:t>
             </a:fld>
             <a:endParaRPr lang="fr-FR" noProof="0"/>
           </a:p>
@@ -6092,7 +6092,7 @@
             <a:pPr rtl="0"/>
             <a:fld id="{97F53525-B172-41E9-AC74-F2250E1FBCF7}" type="datetime8">
               <a:rPr lang="fr-FR" noProof="0" smtClean="0"/>
-              <a:t>16/01/2023 08:50</a:t>
+              <a:t>25/05/2023 13:37</a:t>
             </a:fld>
             <a:endParaRPr lang="fr-FR" noProof="0"/>
           </a:p>
@@ -6292,7 +6292,7 @@
             <a:pPr rtl="0"/>
             <a:fld id="{F0677CA5-05F1-439F-904B-F59E71AD2563}" type="datetime8">
               <a:rPr lang="fr-FR" noProof="0" smtClean="0"/>
-              <a:t>16/01/2023 08:50</a:t>
+              <a:t>25/05/2023 13:37</a:t>
             </a:fld>
             <a:endParaRPr lang="fr-FR" noProof="0"/>
           </a:p>
@@ -7124,7 +7124,7 @@
             <a:pPr rtl="0"/>
             <a:fld id="{80F46D76-CED8-4AF8-9073-371D4359DAEC}" type="datetime8">
               <a:rPr lang="fr-FR" noProof="0" smtClean="0"/>
-              <a:t>16/01/2023 08:50</a:t>
+              <a:t>25/05/2023 13:37</a:t>
             </a:fld>
             <a:endParaRPr lang="fr-FR" noProof="0"/>
           </a:p>
@@ -7718,15 +7718,7 @@
                   <a:schemeClr val="tx1"/>
                 </a:solidFill>
               </a:rPr>
-              <a:t>WELCOME TO OUR LIBRARY </a:t>
-            </a:r>
-            <a:r>
-              <a:rPr lang="en-NZ" sz="8000" dirty="0" smtClean="0">
-                <a:solidFill>
-                  <a:schemeClr val="tx1"/>
-                </a:solidFill>
-              </a:rPr>
-              <a:t>WEBSITE </a:t>
+              <a:t>WELCOME TO OUR LIBRARY WEBSITE </a:t>
             </a:r>
             <a:r>
               <a:rPr lang="en-NZ" sz="7200" dirty="0" smtClean="0">
@@ -7768,7 +7760,7 @@
         </p:spPr>
         <p:txBody>
           <a:bodyPr rtlCol="0">
-            <a:normAutofit fontScale="55000" lnSpcReduction="20000"/>
+            <a:normAutofit fontScale="70000" lnSpcReduction="20000"/>
           </a:bodyPr>
           <a:lstStyle/>
           <a:p>
@@ -7784,16 +7776,7 @@
                 </a:solidFill>
                 <a:cs typeface="Segoe UI" panose="020B0502040204020203" pitchFamily="34" charset="0"/>
               </a:rPr>
-              <a:t>MADE BY</a:t>
-            </a:r>
-            <a:r>
-              <a:rPr lang="en-NZ" sz="3200" dirty="0" smtClean="0">
-                <a:solidFill>
-                  <a:schemeClr val="tx1"/>
-                </a:solidFill>
-                <a:cs typeface="Segoe UI" panose="020B0502040204020203" pitchFamily="34" charset="0"/>
-              </a:rPr>
-              <a:t>:</a:t>
+              <a:t>MADE BY:</a:t>
             </a:r>
           </a:p>
           <a:p>
@@ -7822,9 +7805,9 @@
                 </a:solidFill>
                 <a:cs typeface="Segoe UI" panose="020B0502040204020203" pitchFamily="34" charset="0"/>
               </a:rPr>
-              <a:t>FEYEM CHRIS</a:t>
-            </a:r>
-            <a:endParaRPr lang="en-NZ" sz="3200" dirty="0" smtClean="0">
+              <a:t>BERNADO NJOGA</a:t>
+            </a:r>
+            <a:endParaRPr lang="en-NZ" sz="3200" dirty="0">
               <a:solidFill>
                 <a:schemeClr val="tx1"/>
               </a:solidFill>
@@ -7844,38 +7827,7 @@
                 </a:solidFill>
                 <a:cs typeface="Segoe UI" panose="020B0502040204020203" pitchFamily="34" charset="0"/>
               </a:rPr>
-              <a:t>BERNADO NJOGA</a:t>
-            </a:r>
-            <a:endParaRPr lang="en-NZ" sz="3200" dirty="0">
-              <a:solidFill>
-                <a:schemeClr val="tx1"/>
-              </a:solidFill>
-              <a:cs typeface="Segoe UI" panose="020B0502040204020203" pitchFamily="34" charset="0"/>
-            </a:endParaRPr>
-          </a:p>
-          <a:p>
-            <a:pPr rtl="0">
-              <a:lnSpc>
-                <a:spcPct val="100000"/>
-              </a:lnSpc>
-            </a:pPr>
-            <a:r>
-              <a:rPr lang="en-NZ" sz="3200" dirty="0" smtClean="0">
-                <a:solidFill>
-                  <a:schemeClr val="tx1"/>
-                </a:solidFill>
-                <a:cs typeface="Segoe UI" panose="020B0502040204020203" pitchFamily="34" charset="0"/>
-              </a:rPr>
-              <a:t>ABDUL </a:t>
-            </a:r>
-            <a:r>
-              <a:rPr lang="en-NZ" sz="3200" dirty="0" smtClean="0">
-                <a:solidFill>
-                  <a:schemeClr val="tx1"/>
-                </a:solidFill>
-                <a:cs typeface="Segoe UI" panose="020B0502040204020203" pitchFamily="34" charset="0"/>
-              </a:rPr>
-              <a:t>IDRISS</a:t>
+              <a:t>ABDUL IDRISS</a:t>
             </a:r>
             <a:endParaRPr lang="fr-FR" sz="3200" dirty="0">
               <a:solidFill>
@@ -7910,7 +7862,7 @@
                 </a:solidFill>
                 <a:cs typeface="Segoe UI" panose="020B0502040204020203" pitchFamily="34" charset="0"/>
               </a:rPr>
-              <a:t>COORDINATOR:</a:t>
+              <a:t>COORDINATORS:</a:t>
             </a:r>
           </a:p>
           <a:p>
@@ -7926,7 +7878,7 @@
                 </a:solidFill>
                 <a:cs typeface="Segoe UI" panose="020B0502040204020203" pitchFamily="34" charset="0"/>
               </a:rPr>
-              <a:t>MR KAMBANG SAINCLAIRE </a:t>
+              <a:t>MR KAMBANG SINCLAIRE &amp; Mr MUA WALLACE</a:t>
             </a:r>
             <a:endParaRPr lang="fr-FR" sz="3200" dirty="0">
               <a:solidFill>
@@ -9500,8 +9452,8 @@
         </p:nvSpPr>
         <p:spPr>
           <a:xfrm>
-            <a:off x="761999" y="2443526"/>
-            <a:ext cx="3346362" cy="2720901"/>
+            <a:off x="95002" y="1871513"/>
+            <a:ext cx="3346362" cy="2011718"/>
           </a:xfrm>
         </p:spPr>
         <p:txBody>
@@ -9515,8 +9467,9 @@
             </a:pPr>
             <a:r>
               <a:rPr lang="en-NZ" sz="2200" dirty="0" smtClean="0"/>
-              <a:t>HTML </a:t>
-            </a:r>
+              <a:t>HTML CSS and JavaScript</a:t>
+            </a:r>
+            <a:endParaRPr lang="en-NZ" sz="2200" dirty="0" smtClean="0"/>
           </a:p>
           <a:p>
             <a:pPr marL="0" lvl="0" indent="0" algn="ctr" rtl="0">
@@ -9524,38 +9477,28 @@
             </a:pPr>
             <a:r>
               <a:rPr lang="en-NZ" sz="2200" dirty="0" smtClean="0"/>
-              <a:t>And </a:t>
-            </a:r>
-          </a:p>
-          <a:p>
-            <a:pPr marL="0" lvl="0" indent="0" algn="ctr" rtl="0">
-              <a:buNone/>
-            </a:pPr>
+              <a:t>Which are used for the </a:t>
+            </a:r>
             <a:r>
               <a:rPr lang="en-NZ" sz="2200" dirty="0" smtClean="0"/>
-              <a:t>CSS</a:t>
-            </a:r>
-          </a:p>
-          <a:p>
-            <a:pPr marL="0" lvl="0" indent="0" algn="ctr" rtl="0">
-              <a:buNone/>
-            </a:pPr>
+              <a:t>structuring, the </a:t>
+            </a:r>
             <a:r>
               <a:rPr lang="en-NZ" sz="2200" dirty="0" smtClean="0"/>
-              <a:t>Which are used for the structure and the styling of a web page</a:t>
-            </a:r>
-            <a:endParaRPr lang="fr-FR" sz="2200" dirty="0"/>
-          </a:p>
-          <a:p>
-            <a:pPr marL="0" lvl="0" indent="0" algn="ctr" rtl="0">
-              <a:buNone/>
-            </a:pPr>
-            <a:endParaRPr lang="fr-FR" sz="2200" dirty="0"/>
-          </a:p>
-          <a:p>
-            <a:pPr marL="0" indent="0" algn="ctr" rtl="0">
-              <a:buNone/>
-            </a:pPr>
+              <a:t>styling </a:t>
+            </a:r>
+            <a:r>
+              <a:rPr lang="en-NZ" sz="2200" dirty="0" smtClean="0"/>
+              <a:t>and animations of </a:t>
+            </a:r>
+            <a:r>
+              <a:rPr lang="en-NZ" sz="2200" dirty="0" smtClean="0"/>
+              <a:t>a web </a:t>
+            </a:r>
+            <a:r>
+              <a:rPr lang="en-NZ" sz="2200" dirty="0" smtClean="0"/>
+              <a:t>page</a:t>
+            </a:r>
             <a:endParaRPr lang="fr-FR" sz="2200" dirty="0"/>
           </a:p>
         </p:txBody>
@@ -9578,8 +9521,8 @@
         </p:nvSpPr>
         <p:spPr>
           <a:xfrm>
-            <a:off x="4421999" y="2443526"/>
-            <a:ext cx="3382598" cy="2012563"/>
+            <a:off x="4261197" y="2116738"/>
+            <a:ext cx="3263591" cy="1914718"/>
           </a:xfrm>
         </p:spPr>
         <p:txBody>
@@ -9613,12 +9556,6 @@
               <a:rPr lang="en-NZ" sz="2200" dirty="0" smtClean="0"/>
               <a:t>Have the possibility to have different fonts</a:t>
             </a:r>
-            <a:endParaRPr lang="fr-FR" sz="2200" dirty="0"/>
-          </a:p>
-          <a:p>
-            <a:pPr marL="0" indent="0" algn="ctr" rtl="0">
-              <a:buNone/>
-            </a:pPr>
             <a:endParaRPr lang="fr-FR" sz="2200" dirty="0"/>
           </a:p>
         </p:txBody>
@@ -9641,7 +9578,7 @@
         </p:nvSpPr>
         <p:spPr>
           <a:xfrm>
-            <a:off x="7685590" y="2443527"/>
+            <a:off x="8433736" y="2093778"/>
             <a:ext cx="3993266" cy="2291676"/>
           </a:xfrm>
         </p:spPr>
@@ -9687,8 +9624,79 @@
           <p:nvPr/>
         </p:nvSpPr>
         <p:spPr>
+          <a:xfrm flipH="1">
+            <a:off x="1576830" y="1508365"/>
+            <a:ext cx="382704" cy="468000"/>
+          </a:xfrm>
+          <a:prstGeom prst="ellipse">
+            <a:avLst/>
+          </a:prstGeom>
+          <a:solidFill>
+            <a:schemeClr val="accent1"/>
+          </a:solidFill>
+          <a:ln w="28575">
+            <a:solidFill>
+              <a:schemeClr val="tx1"/>
+            </a:solidFill>
+          </a:ln>
+          <a:effectLst>
+            <a:outerShdw blurRad="63500" sx="102000" sy="102000" algn="ctr" rotWithShape="0">
+              <a:prstClr val="black">
+                <a:alpha val="40000"/>
+              </a:prstClr>
+            </a:outerShdw>
+          </a:effectLst>
+          <a:scene3d>
+            <a:camera prst="orthographicFront"/>
+            <a:lightRig rig="threePt" dir="t"/>
+          </a:scene3d>
+          <a:sp3d>
+            <a:bevelT/>
+          </a:sp3d>
+        </p:spPr>
+        <p:style>
+          <a:lnRef idx="2">
+            <a:schemeClr val="accent1">
+              <a:shade val="50000"/>
+            </a:schemeClr>
+          </a:lnRef>
+          <a:fillRef idx="1">
+            <a:schemeClr val="accent1"/>
+          </a:fillRef>
+          <a:effectRef idx="0">
+            <a:schemeClr val="accent1"/>
+          </a:effectRef>
+          <a:fontRef idx="minor">
+            <a:schemeClr val="lt1"/>
+          </a:fontRef>
+        </p:style>
+        <p:txBody>
+          <a:bodyPr rtlCol="0" anchor="ctr"/>
+          <a:lstStyle/>
+          <a:p>
+            <a:pPr algn="ctr" rtl="0"/>
+            <a:endParaRPr lang="fr-FR"/>
+          </a:p>
+        </p:txBody>
+      </p:sp>
+      <p:sp>
+        <p:nvSpPr>
+          <p:cNvPr id="7" name="Ovale 6" descr="élément décoratif">
+            <a:extLst>
+              <a:ext uri="{FF2B5EF4-FFF2-40B4-BE49-F238E27FC236}">
+                <a16:creationId xmlns="" xmlns:a16="http://schemas.microsoft.com/office/drawing/2014/main" id="{498F9BDC-F173-4590-A94B-9747D4716722}"/>
+              </a:ext>
+              <a:ext uri="{C183D7F6-B498-43B3-948B-1728B52AA6E4}">
+                <adec:decorative xmlns="" xmlns:adec="http://schemas.microsoft.com/office/drawing/2017/decorative" val="1"/>
+              </a:ext>
+            </a:extLst>
+          </p:cNvPr>
+          <p:cNvSpPr/>
+          <p:nvPr/>
+        </p:nvSpPr>
+        <p:spPr>
           <a:xfrm>
-            <a:off x="2182367" y="1825836"/>
+            <a:off x="5585793" y="1540994"/>
             <a:ext cx="468000" cy="468000"/>
           </a:xfrm>
           <a:prstGeom prst="ellipse">
@@ -9744,10 +9752,10 @@
       </p:sp>
       <p:sp>
         <p:nvSpPr>
-          <p:cNvPr id="7" name="Ovale 6" descr="élément décoratif">
+          <p:cNvPr id="8" name="Ovale 7" descr="élément décoratif">
             <a:extLst>
               <a:ext uri="{FF2B5EF4-FFF2-40B4-BE49-F238E27FC236}">
-                <a16:creationId xmlns="" xmlns:a16="http://schemas.microsoft.com/office/drawing/2014/main" id="{498F9BDC-F173-4590-A94B-9747D4716722}"/>
+                <a16:creationId xmlns="" xmlns:a16="http://schemas.microsoft.com/office/drawing/2014/main" id="{637BAB53-DA38-4DD5-9A3E-8152A042F2D9}"/>
               </a:ext>
               <a:ext uri="{C183D7F6-B498-43B3-948B-1728B52AA6E4}">
                 <adec:decorative xmlns="" xmlns:adec="http://schemas.microsoft.com/office/drawing/2017/decorative" val="1"/>
@@ -9759,7 +9767,7 @@
         </p:nvSpPr>
         <p:spPr>
           <a:xfrm>
-            <a:off x="5855273" y="1825836"/>
+            <a:off x="10600700" y="1587994"/>
             <a:ext cx="468000" cy="468000"/>
           </a:xfrm>
           <a:prstGeom prst="ellipse">
@@ -9815,10 +9823,203 @@
       </p:sp>
       <p:sp>
         <p:nvSpPr>
-          <p:cNvPr id="8" name="Ovale 7" descr="élément décoratif">
+          <p:cNvPr id="9" name="Zone de texte 8">
             <a:extLst>
               <a:ext uri="{FF2B5EF4-FFF2-40B4-BE49-F238E27FC236}">
-                <a16:creationId xmlns="" xmlns:a16="http://schemas.microsoft.com/office/drawing/2014/main" id="{637BAB53-DA38-4DD5-9A3E-8152A042F2D9}"/>
+                <a16:creationId xmlns="" xmlns:a16="http://schemas.microsoft.com/office/drawing/2014/main" id="{2D142DF4-4EE3-4660-9BDC-D1E1707D98BC}"/>
+              </a:ext>
+            </a:extLst>
+          </p:cNvPr>
+          <p:cNvSpPr txBox="1"/>
+          <p:nvPr/>
+        </p:nvSpPr>
+        <p:spPr>
+          <a:xfrm>
+            <a:off x="1610486" y="1520439"/>
+            <a:ext cx="315391" cy="400110"/>
+          </a:xfrm>
+          <a:prstGeom prst="rect">
+            <a:avLst/>
+          </a:prstGeom>
+          <a:noFill/>
+        </p:spPr>
+        <p:txBody>
+          <a:bodyPr wrap="square" rtlCol="0">
+            <a:spAutoFit/>
+          </a:bodyPr>
+          <a:lstStyle/>
+          <a:p>
+            <a:pPr rtl="0"/>
+            <a:r>
+              <a:rPr lang="fr-FR" sz="2000" dirty="0">
+                <a:solidFill>
+                  <a:schemeClr val="bg1"/>
+                </a:solidFill>
+              </a:rPr>
+              <a:t>1</a:t>
+            </a:r>
+          </a:p>
+        </p:txBody>
+      </p:sp>
+      <p:sp>
+        <p:nvSpPr>
+          <p:cNvPr id="10" name="Zone de texte 9">
+            <a:extLst>
+              <a:ext uri="{FF2B5EF4-FFF2-40B4-BE49-F238E27FC236}">
+                <a16:creationId xmlns="" xmlns:a16="http://schemas.microsoft.com/office/drawing/2014/main" id="{C9124239-D4DF-4D00-AF5F-B08E7F4284D0}"/>
+              </a:ext>
+            </a:extLst>
+          </p:cNvPr>
+          <p:cNvSpPr txBox="1"/>
+          <p:nvPr/>
+        </p:nvSpPr>
+        <p:spPr>
+          <a:xfrm>
+            <a:off x="5653105" y="1573521"/>
+            <a:ext cx="333375" cy="400110"/>
+          </a:xfrm>
+          <a:prstGeom prst="rect">
+            <a:avLst/>
+          </a:prstGeom>
+          <a:noFill/>
+        </p:spPr>
+        <p:txBody>
+          <a:bodyPr wrap="square" rtlCol="0">
+            <a:spAutoFit/>
+          </a:bodyPr>
+          <a:lstStyle/>
+          <a:p>
+            <a:pPr rtl="0"/>
+            <a:r>
+              <a:rPr lang="fr-FR" sz="2000" dirty="0">
+                <a:solidFill>
+                  <a:schemeClr val="bg1"/>
+                </a:solidFill>
+              </a:rPr>
+              <a:t>2</a:t>
+            </a:r>
+          </a:p>
+        </p:txBody>
+      </p:sp>
+      <p:sp>
+        <p:nvSpPr>
+          <p:cNvPr id="11" name="Zone de texte 10">
+            <a:extLst>
+              <a:ext uri="{FF2B5EF4-FFF2-40B4-BE49-F238E27FC236}">
+                <a16:creationId xmlns="" xmlns:a16="http://schemas.microsoft.com/office/drawing/2014/main" id="{FB4695A3-1853-4E49-84FD-FE5CBABEF961}"/>
+              </a:ext>
+            </a:extLst>
+          </p:cNvPr>
+          <p:cNvSpPr txBox="1"/>
+          <p:nvPr/>
+        </p:nvSpPr>
+        <p:spPr>
+          <a:xfrm>
+            <a:off x="10668012" y="1608884"/>
+            <a:ext cx="333375" cy="400110"/>
+          </a:xfrm>
+          <a:prstGeom prst="rect">
+            <a:avLst/>
+          </a:prstGeom>
+          <a:noFill/>
+        </p:spPr>
+        <p:txBody>
+          <a:bodyPr wrap="square" rtlCol="0">
+            <a:spAutoFit/>
+          </a:bodyPr>
+          <a:lstStyle/>
+          <a:p>
+            <a:pPr rtl="0"/>
+            <a:r>
+              <a:rPr lang="fr-FR" sz="2000" dirty="0">
+                <a:solidFill>
+                  <a:schemeClr val="bg1"/>
+                </a:solidFill>
+              </a:rPr>
+              <a:t>3</a:t>
+            </a:r>
+          </a:p>
+        </p:txBody>
+      </p:sp>
+      <p:sp>
+        <p:nvSpPr>
+          <p:cNvPr id="12" name="Espace réservé du numéro de diapositive 11">
+            <a:extLst>
+              <a:ext uri="{FF2B5EF4-FFF2-40B4-BE49-F238E27FC236}">
+                <a16:creationId xmlns="" xmlns:a16="http://schemas.microsoft.com/office/drawing/2014/main" id="{1DAC7997-6C29-4070-B4EB-6A172CDBCBDE}"/>
+              </a:ext>
+            </a:extLst>
+          </p:cNvPr>
+          <p:cNvSpPr>
+            <a:spLocks noGrp="1"/>
+          </p:cNvSpPr>
+          <p:nvPr>
+            <p:ph type="sldNum" sz="quarter" idx="12"/>
+          </p:nvPr>
+        </p:nvSpPr>
+        <p:spPr/>
+        <p:txBody>
+          <a:bodyPr rtlCol="0"/>
+          <a:lstStyle/>
+          <a:p>
+            <a:pPr rtl="0"/>
+            <a:fld id="{7AAC19ED-7CFA-4AF2-BE7E-6017F4B12C94}" type="slidenum">
+              <a:rPr lang="fr-FR" smtClean="0"/>
+              <a:pPr rtl="0"/>
+              <a:t>3</a:t>
+            </a:fld>
+            <a:endParaRPr lang="fr-FR"/>
+          </a:p>
+        </p:txBody>
+      </p:sp>
+      <p:sp>
+        <p:nvSpPr>
+          <p:cNvPr id="14" name="Rectangle 13"/>
+          <p:cNvSpPr/>
+          <p:nvPr/>
+        </p:nvSpPr>
+        <p:spPr>
+          <a:xfrm>
+            <a:off x="3093150" y="4739451"/>
+            <a:ext cx="6096000" cy="1015663"/>
+          </a:xfrm>
+          <a:prstGeom prst="rect">
+            <a:avLst/>
+          </a:prstGeom>
+        </p:spPr>
+        <p:txBody>
+          <a:bodyPr>
+            <a:spAutoFit/>
+          </a:bodyPr>
+          <a:lstStyle/>
+          <a:p>
+            <a:pPr algn="ctr"/>
+            <a:r>
+              <a:rPr lang="en-NZ" sz="2000" dirty="0" smtClean="0"/>
+              <a:t>Fontawesome</a:t>
+            </a:r>
+            <a:endParaRPr lang="en-NZ" sz="2000" dirty="0"/>
+          </a:p>
+          <a:p>
+            <a:pPr algn="ctr"/>
+            <a:r>
+              <a:rPr lang="en-NZ" sz="2000" dirty="0"/>
+              <a:t>Which is a website </a:t>
+            </a:r>
+            <a:r>
+              <a:rPr lang="en-NZ" sz="2000" dirty="0" smtClean="0"/>
+              <a:t>in which you have access and to different logos</a:t>
+            </a:r>
+            <a:endParaRPr lang="fr-FR" sz="2000" dirty="0"/>
+          </a:p>
+        </p:txBody>
+      </p:sp>
+      <p:sp>
+        <p:nvSpPr>
+          <p:cNvPr id="15" name="Ovale 6" descr="élément décoratif">
+            <a:extLst>
+              <a:ext uri="{FF2B5EF4-FFF2-40B4-BE49-F238E27FC236}">
+                <a16:creationId xmlns="" xmlns:a16="http://schemas.microsoft.com/office/drawing/2014/main" id="{498F9BDC-F173-4590-A94B-9747D4716722}"/>
               </a:ext>
               <a:ext uri="{C183D7F6-B498-43B3-948B-1728B52AA6E4}">
                 <adec:decorative xmlns="" xmlns:adec="http://schemas.microsoft.com/office/drawing/2017/decorative" val="1"/>
@@ -9830,7 +10031,7 @@
         </p:nvSpPr>
         <p:spPr>
           <a:xfrm>
-            <a:off x="9520046" y="1825836"/>
+            <a:off x="5892993" y="4312724"/>
             <a:ext cx="468000" cy="468000"/>
           </a:xfrm>
           <a:prstGeom prst="ellipse">
@@ -9880,158 +10081,11 @@
           <a:lstStyle/>
           <a:p>
             <a:pPr algn="ctr" rtl="0"/>
-            <a:endParaRPr lang="fr-FR"/>
-          </a:p>
-        </p:txBody>
-      </p:sp>
-      <p:sp>
-        <p:nvSpPr>
-          <p:cNvPr id="9" name="Zone de texte 8">
-            <a:extLst>
-              <a:ext uri="{FF2B5EF4-FFF2-40B4-BE49-F238E27FC236}">
-                <a16:creationId xmlns="" xmlns:a16="http://schemas.microsoft.com/office/drawing/2014/main" id="{2D142DF4-4EE3-4660-9BDC-D1E1707D98BC}"/>
-              </a:ext>
-            </a:extLst>
-          </p:cNvPr>
-          <p:cNvSpPr txBox="1"/>
-          <p:nvPr/>
-        </p:nvSpPr>
-        <p:spPr>
-          <a:xfrm>
-            <a:off x="2249679" y="1855939"/>
-            <a:ext cx="333375" cy="400110"/>
-          </a:xfrm>
-          <a:prstGeom prst="rect">
-            <a:avLst/>
-          </a:prstGeom>
-          <a:noFill/>
-        </p:spPr>
-        <p:txBody>
-          <a:bodyPr wrap="square" rtlCol="0">
-            <a:spAutoFit/>
-          </a:bodyPr>
-          <a:lstStyle/>
-          <a:p>
-            <a:pPr rtl="0"/>
-            <a:r>
-              <a:rPr lang="fr-FR" sz="2000">
-                <a:solidFill>
-                  <a:schemeClr val="bg1"/>
-                </a:solidFill>
-              </a:rPr>
-              <a:t>1</a:t>
-            </a:r>
-          </a:p>
-        </p:txBody>
-      </p:sp>
-      <p:sp>
-        <p:nvSpPr>
-          <p:cNvPr id="10" name="Zone de texte 9">
-            <a:extLst>
-              <a:ext uri="{FF2B5EF4-FFF2-40B4-BE49-F238E27FC236}">
-                <a16:creationId xmlns="" xmlns:a16="http://schemas.microsoft.com/office/drawing/2014/main" id="{C9124239-D4DF-4D00-AF5F-B08E7F4284D0}"/>
-              </a:ext>
-            </a:extLst>
-          </p:cNvPr>
-          <p:cNvSpPr txBox="1"/>
-          <p:nvPr/>
-        </p:nvSpPr>
-        <p:spPr>
-          <a:xfrm>
-            <a:off x="5928910" y="1855939"/>
-            <a:ext cx="333375" cy="400110"/>
-          </a:xfrm>
-          <a:prstGeom prst="rect">
-            <a:avLst/>
-          </a:prstGeom>
-          <a:noFill/>
-        </p:spPr>
-        <p:txBody>
-          <a:bodyPr wrap="square" rtlCol="0">
-            <a:spAutoFit/>
-          </a:bodyPr>
-          <a:lstStyle/>
-          <a:p>
-            <a:pPr rtl="0"/>
-            <a:r>
-              <a:rPr lang="fr-FR" sz="2000">
-                <a:solidFill>
-                  <a:schemeClr val="bg1"/>
-                </a:solidFill>
-              </a:rPr>
-              <a:t>2</a:t>
-            </a:r>
-          </a:p>
-        </p:txBody>
-      </p:sp>
-      <p:sp>
-        <p:nvSpPr>
-          <p:cNvPr id="11" name="Zone de texte 10">
-            <a:extLst>
-              <a:ext uri="{FF2B5EF4-FFF2-40B4-BE49-F238E27FC236}">
-                <a16:creationId xmlns="" xmlns:a16="http://schemas.microsoft.com/office/drawing/2014/main" id="{FB4695A3-1853-4E49-84FD-FE5CBABEF961}"/>
-              </a:ext>
-            </a:extLst>
-          </p:cNvPr>
-          <p:cNvSpPr txBox="1"/>
-          <p:nvPr/>
-        </p:nvSpPr>
-        <p:spPr>
-          <a:xfrm>
-            <a:off x="9587358" y="1855939"/>
-            <a:ext cx="333375" cy="400110"/>
-          </a:xfrm>
-          <a:prstGeom prst="rect">
-            <a:avLst/>
-          </a:prstGeom>
-          <a:noFill/>
-        </p:spPr>
-        <p:txBody>
-          <a:bodyPr wrap="square" rtlCol="0">
-            <a:spAutoFit/>
-          </a:bodyPr>
-          <a:lstStyle/>
-          <a:p>
-            <a:pPr rtl="0"/>
-            <a:r>
-              <a:rPr lang="fr-FR" sz="2000">
-                <a:solidFill>
-                  <a:schemeClr val="bg1"/>
-                </a:solidFill>
-              </a:rPr>
-              <a:t>3</a:t>
-            </a:r>
-          </a:p>
-        </p:txBody>
-      </p:sp>
-      <p:sp>
-        <p:nvSpPr>
-          <p:cNvPr id="12" name="Espace réservé du numéro de diapositive 11">
-            <a:extLst>
-              <a:ext uri="{FF2B5EF4-FFF2-40B4-BE49-F238E27FC236}">
-                <a16:creationId xmlns="" xmlns:a16="http://schemas.microsoft.com/office/drawing/2014/main" id="{1DAC7997-6C29-4070-B4EB-6A172CDBCBDE}"/>
-              </a:ext>
-            </a:extLst>
-          </p:cNvPr>
-          <p:cNvSpPr>
-            <a:spLocks noGrp="1"/>
-          </p:cNvSpPr>
-          <p:nvPr>
-            <p:ph type="sldNum" sz="quarter" idx="12"/>
-          </p:nvPr>
-        </p:nvSpPr>
-        <p:spPr/>
-        <p:txBody>
-          <a:bodyPr rtlCol="0"/>
-          <a:lstStyle/>
-          <a:p>
-            <a:pPr rtl="0"/>
-            <a:fld id="{7AAC19ED-7CFA-4AF2-BE7E-6017F4B12C94}" type="slidenum">
-              <a:rPr lang="fr-FR" smtClean="0"/>
-              <a:pPr rtl="0"/>
-              <a:t>3</a:t>
-            </a:fld>
-            <a:endParaRPr lang="fr-FR"/>
+            <a:r>
+              <a:rPr lang="en-NZ" dirty="0" smtClean="0"/>
+              <a:t>4</a:t>
+            </a:r>
+            <a:endParaRPr lang="fr-FR" dirty="0"/>
           </a:p>
         </p:txBody>
       </p:sp>
@@ -10271,8 +10325,8 @@
         </p:nvSpPr>
         <p:spPr>
           <a:xfrm>
-            <a:off x="919274" y="2875327"/>
-            <a:ext cx="2993820" cy="2291676"/>
+            <a:off x="919274" y="2778826"/>
+            <a:ext cx="2868955" cy="1740711"/>
           </a:xfrm>
         </p:spPr>
         <p:txBody>
@@ -10289,23 +10343,7 @@
             </a:pPr>
             <a:r>
               <a:rPr lang="en-NZ" sz="3000" dirty="0" smtClean="0"/>
-              <a:t>WRITING THE CODE</a:t>
-            </a:r>
-          </a:p>
-          <a:p>
-            <a:pPr marL="0" lvl="0" indent="0" algn="ctr" rtl="0">
-              <a:lnSpc>
-                <a:spcPct val="90000"/>
-              </a:lnSpc>
-              <a:buNone/>
-            </a:pPr>
-            <a:r>
-              <a:rPr lang="en-NZ" sz="3000" dirty="0" smtClean="0"/>
-              <a:t>(</a:t>
-            </a:r>
-            <a:r>
-              <a:rPr lang="en-NZ" sz="3000" dirty="0" smtClean="0"/>
-              <a:t>modifying sometimes the code crashes )</a:t>
+              <a:t>Debugging  (fixing the code crash )</a:t>
             </a:r>
             <a:endParaRPr lang="fr-FR" sz="3000" dirty="0"/>
           </a:p>
@@ -10336,7 +10374,12 @@
             <p:ph sz="quarter" idx="15"/>
           </p:nvPr>
         </p:nvSpPr>
-        <p:spPr/>
+        <p:spPr>
+          <a:xfrm>
+            <a:off x="8081999" y="2606835"/>
+            <a:ext cx="3348000" cy="1715784"/>
+          </a:xfrm>
+        </p:spPr>
         <p:txBody>
           <a:bodyPr rtlCol="0">
             <a:normAutofit/>
@@ -10585,7 +10628,7 @@
           <a:p>
             <a:pPr rtl="0"/>
             <a:r>
-              <a:rPr lang="fr-FR" sz="3200">
+              <a:rPr lang="fr-FR" sz="3200" dirty="0">
                 <a:solidFill>
                   <a:schemeClr val="bg1"/>
                 </a:solidFill>
@@ -10652,7 +10695,7 @@
         </p:nvSpPr>
         <p:spPr>
           <a:xfrm>
-            <a:off x="4874927" y="2875327"/>
+            <a:off x="4941952" y="1721854"/>
             <a:ext cx="2111188" cy="1949824"/>
           </a:xfrm>
           <a:prstGeom prst="roundRect">
@@ -10727,7 +10770,7 @@
         </p:blipFill>
         <p:spPr>
           <a:xfrm>
-            <a:off x="5516521" y="3334871"/>
+            <a:off x="5583546" y="2233181"/>
             <a:ext cx="828000" cy="828000"/>
           </a:xfrm>
           <a:prstGeom prst="rect">
@@ -10763,6 +10806,147 @@
               <a:t>5</a:t>
             </a:fld>
             <a:endParaRPr lang="fr-FR"/>
+          </a:p>
+        </p:txBody>
+      </p:sp>
+      <p:sp>
+        <p:nvSpPr>
+          <p:cNvPr id="6" name="Rectangle 5"/>
+          <p:cNvSpPr/>
+          <p:nvPr/>
+        </p:nvSpPr>
+        <p:spPr>
+          <a:xfrm>
+            <a:off x="3522727" y="4897233"/>
+            <a:ext cx="5514394" cy="1255728"/>
+          </a:xfrm>
+          <a:prstGeom prst="rect">
+            <a:avLst/>
+          </a:prstGeom>
+        </p:spPr>
+        <p:txBody>
+          <a:bodyPr wrap="square">
+            <a:spAutoFit/>
+          </a:bodyPr>
+          <a:lstStyle/>
+          <a:p>
+            <a:pPr lvl="0" algn="ctr">
+              <a:lnSpc>
+                <a:spcPct val="90000"/>
+              </a:lnSpc>
+            </a:pPr>
+            <a:r>
+              <a:rPr lang="en-NZ" sz="2800" dirty="0" smtClean="0"/>
+              <a:t>Writing the code and </a:t>
+            </a:r>
+          </a:p>
+          <a:p>
+            <a:pPr lvl="0" algn="ctr">
+              <a:lnSpc>
+                <a:spcPct val="90000"/>
+              </a:lnSpc>
+            </a:pPr>
+            <a:r>
+              <a:rPr lang="en-NZ" sz="2800" dirty="0" smtClean="0"/>
+              <a:t>doesn’t work </a:t>
+            </a:r>
+          </a:p>
+          <a:p>
+            <a:pPr lvl="0" algn="ctr">
+              <a:lnSpc>
+                <a:spcPct val="90000"/>
+              </a:lnSpc>
+            </a:pPr>
+            <a:r>
+              <a:rPr lang="en-NZ" sz="2800" dirty="0" smtClean="0"/>
+              <a:t>as desired</a:t>
+            </a:r>
+            <a:endParaRPr lang="fr-FR" sz="2800" dirty="0"/>
+          </a:p>
+        </p:txBody>
+      </p:sp>
+      <p:sp>
+        <p:nvSpPr>
+          <p:cNvPr id="15" name="Ovale 9" descr="élément décoratif">
+            <a:extLst>
+              <a:ext uri="{FF2B5EF4-FFF2-40B4-BE49-F238E27FC236}">
+                <a16:creationId xmlns="" xmlns:a16="http://schemas.microsoft.com/office/drawing/2014/main" id="{2835AEFA-F289-46D0-BBE8-3BB779BF0569}"/>
+              </a:ext>
+              <a:ext uri="{C183D7F6-B498-43B3-948B-1728B52AA6E4}">
+                <adec:decorative xmlns="" xmlns:adec="http://schemas.microsoft.com/office/drawing/2017/decorative" val="1"/>
+              </a:ext>
+            </a:extLst>
+          </p:cNvPr>
+          <p:cNvSpPr>
+            <a:spLocks noChangeAspect="1"/>
+          </p:cNvSpPr>
+          <p:nvPr/>
+        </p:nvSpPr>
+        <p:spPr>
+          <a:xfrm>
+            <a:off x="5938284" y="4049374"/>
+            <a:ext cx="683280" cy="683280"/>
+          </a:xfrm>
+          <a:prstGeom prst="ellipse">
+            <a:avLst/>
+          </a:prstGeom>
+          <a:solidFill>
+            <a:schemeClr val="tx1"/>
+          </a:solidFill>
+          <a:ln w="28575">
+            <a:solidFill>
+              <a:schemeClr val="bg1"/>
+            </a:solidFill>
+          </a:ln>
+          <a:effectLst>
+            <a:outerShdw blurRad="63500" sx="102000" sy="102000" algn="ctr" rotWithShape="0">
+              <a:prstClr val="black">
+                <a:alpha val="40000"/>
+              </a:prstClr>
+            </a:outerShdw>
+          </a:effectLst>
+          <a:scene3d>
+            <a:camera prst="orthographicFront"/>
+            <a:lightRig rig="threePt" dir="t"/>
+          </a:scene3d>
+          <a:sp3d>
+            <a:bevelT/>
+          </a:sp3d>
+        </p:spPr>
+        <p:style>
+          <a:lnRef idx="2">
+            <a:schemeClr val="accent1">
+              <a:shade val="50000"/>
+            </a:schemeClr>
+          </a:lnRef>
+          <a:fillRef idx="1">
+            <a:schemeClr val="accent1"/>
+          </a:fillRef>
+          <a:effectRef idx="0">
+            <a:schemeClr val="accent1"/>
+          </a:effectRef>
+          <a:fontRef idx="minor">
+            <a:schemeClr val="lt1"/>
+          </a:fontRef>
+        </p:style>
+        <p:txBody>
+          <a:bodyPr rtlCol="0" anchor="ctr"/>
+          <a:lstStyle/>
+          <a:p>
+            <a:pPr algn="ctr"/>
+            <a:r>
+              <a:rPr lang="en-NZ" sz="3200" dirty="0" smtClean="0">
+                <a:solidFill>
+                  <a:schemeClr val="bg1"/>
+                </a:solidFill>
+              </a:rPr>
+              <a:t>3</a:t>
+            </a:r>
+            <a:endParaRPr lang="fr-FR" sz="3200" dirty="0">
+              <a:solidFill>
+                <a:schemeClr val="bg1"/>
+              </a:solidFill>
+            </a:endParaRPr>
           </a:p>
         </p:txBody>
       </p:sp>
@@ -10826,16 +11010,18 @@
           </a:xfrm>
         </p:spPr>
         <p:txBody>
-          <a:bodyPr rtlCol="0"/>
+          <a:bodyPr rtlCol="0">
+            <a:normAutofit fontScale="90000"/>
+          </a:bodyPr>
           <a:lstStyle/>
           <a:p>
             <a:pPr algn="ctr" rtl="0"/>
             <a:r>
-              <a:rPr lang="fr-FR" dirty="0" smtClean="0"/>
+              <a:rPr lang="fr-FR" i="1" u="sng" dirty="0" smtClean="0"/>
               <a:t>Conclusion and </a:t>
             </a:r>
             <a:r>
-              <a:rPr lang="fr-FR" i="1" dirty="0" err="1" smtClean="0"/>
+              <a:rPr lang="fr-FR" i="1" u="sng" dirty="0" err="1" smtClean="0"/>
               <a:t>Remarks</a:t>
             </a:r>
             <a:r>
@@ -10853,8 +11039,36 @@
               <a:rPr lang="fr-FR" i="1" dirty="0"/>
             </a:br>
             <a:r>
+              <a:rPr lang="fr-FR" sz="3200" i="1" dirty="0" err="1" smtClean="0"/>
+              <a:t>We</a:t>
+            </a:r>
+            <a:r>
               <a:rPr lang="fr-FR" sz="3200" i="1" dirty="0" smtClean="0"/>
-              <a:t>It </a:t>
+              <a:t> </a:t>
+            </a:r>
+            <a:r>
+              <a:rPr lang="fr-FR" sz="3200" i="1" dirty="0" err="1" smtClean="0"/>
+              <a:t>encountered</a:t>
+            </a:r>
+            <a:r>
+              <a:rPr lang="fr-FR" sz="3200" i="1" dirty="0" smtClean="0"/>
+              <a:t> </a:t>
+            </a:r>
+            <a:r>
+              <a:rPr lang="fr-FR" sz="3200" i="1" dirty="0" err="1" smtClean="0"/>
+              <a:t>many</a:t>
+            </a:r>
+            <a:r>
+              <a:rPr lang="fr-FR" sz="3200" i="1" dirty="0" smtClean="0"/>
+              <a:t> challenges, </a:t>
+            </a:r>
+            <a:r>
+              <a:rPr lang="fr-FR" sz="3200" i="1" dirty="0" err="1" smtClean="0"/>
+              <a:t>it</a:t>
+            </a:r>
+            <a:r>
+              <a:rPr lang="fr-FR" sz="3200" i="1" dirty="0" smtClean="0"/>
+              <a:t> </a:t>
             </a:r>
             <a:r>
               <a:rPr lang="fr-FR" sz="3200" i="1" dirty="0" err="1" smtClean="0"/>
@@ -10866,7 +11080,27 @@
             </a:r>
             <a:r>
               <a:rPr lang="fr-FR" sz="3200" i="1" dirty="0" err="1" smtClean="0"/>
-              <a:t>very</a:t>
+              <a:t>interesting</a:t>
+            </a:r>
+            <a:r>
+              <a:rPr lang="fr-FR" sz="3200" i="1" dirty="0"/>
+              <a:t>,</a:t>
+            </a:r>
+            <a:r>
+              <a:rPr lang="fr-FR" sz="3200" i="1" dirty="0" smtClean="0"/>
+              <a:t> instructive and </a:t>
+            </a:r>
+            <a:r>
+              <a:rPr lang="fr-FR" sz="3200" i="1" dirty="0" err="1" smtClean="0"/>
+              <a:t>some</a:t>
+            </a:r>
+            <a:r>
+              <a:rPr lang="fr-FR" sz="3200" i="1" dirty="0" smtClean="0"/>
+              <a:t> parts </a:t>
+            </a:r>
+            <a:r>
+              <a:rPr lang="fr-FR" sz="3200" i="1" dirty="0" err="1" smtClean="0"/>
+              <a:t>was</a:t>
             </a:r>
             <a:r>
               <a:rPr lang="fr-FR" sz="3200" i="1" dirty="0" smtClean="0"/>
@@ -10874,28 +11108,66 @@
             </a:r>
             <a:r>
               <a:rPr lang="fr-FR" sz="3200" i="1" dirty="0" err="1" smtClean="0"/>
-              <a:t>challenging</a:t>
-            </a:r>
-            <a:r>
-              <a:rPr lang="fr-FR" sz="3200" i="1" dirty="0"/>
-              <a:t>,</a:t>
+              <a:t>frustrating</a:t>
             </a:r>
             <a:r>
               <a:rPr lang="fr-FR" sz="3200" i="1" dirty="0" smtClean="0"/>
-              <a:t> </a:t>
-            </a:r>
-            <a:r>
-              <a:rPr lang="fr-FR" sz="3200" i="1" dirty="0" err="1" smtClean="0"/>
-              <a:t>interesting</a:t>
-            </a:r>
-            <a:r>
-              <a:rPr lang="fr-FR" sz="3200" i="1" dirty="0" smtClean="0"/>
-              <a:t> and instructive </a:t>
+              <a:t/>
             </a:r>
             <a:br>
               <a:rPr lang="fr-FR" sz="3200" i="1" dirty="0" smtClean="0"/>
             </a:br>
             <a:r>
+              <a:rPr lang="fr-FR" sz="3200" i="1" dirty="0" smtClean="0"/>
+              <a:t/>
+            </a:r>
+            <a:br>
+              <a:rPr lang="fr-FR" sz="3200" i="1" dirty="0" smtClean="0"/>
+            </a:br>
+            <a:r>
+              <a:rPr lang="fr-FR" sz="3200" i="1" dirty="0" err="1" smtClean="0"/>
+              <a:t>Thought</a:t>
+            </a:r>
+            <a:r>
+              <a:rPr lang="fr-FR" sz="3200" i="1" dirty="0" smtClean="0"/>
+              <a:t> </a:t>
+            </a:r>
+            <a:r>
+              <a:rPr lang="fr-FR" sz="3200" i="1" dirty="0" err="1" smtClean="0"/>
+              <a:t>it</a:t>
+            </a:r>
+            <a:r>
+              <a:rPr lang="fr-FR" sz="3200" i="1" dirty="0" smtClean="0"/>
+              <a:t> </a:t>
+            </a:r>
+            <a:r>
+              <a:rPr lang="fr-FR" sz="3200" i="1" dirty="0" err="1" smtClean="0"/>
+              <a:t>was</a:t>
+            </a:r>
+            <a:r>
+              <a:rPr lang="fr-FR" sz="3200" i="1" dirty="0" smtClean="0"/>
+              <a:t> </a:t>
+            </a:r>
+            <a:r>
+              <a:rPr lang="fr-FR" sz="3200" i="1" dirty="0" err="1" smtClean="0"/>
+              <a:t>still</a:t>
+            </a:r>
+            <a:r>
+              <a:rPr lang="fr-FR" sz="3200" i="1" dirty="0" smtClean="0"/>
+              <a:t> </a:t>
+            </a:r>
+            <a:r>
+              <a:rPr lang="fr-FR" sz="3200" i="1" dirty="0" err="1" smtClean="0"/>
+              <a:t>amusing</a:t>
+            </a:r>
+            <a:r>
+              <a:rPr lang="fr-FR" sz="3200" i="1" dirty="0" smtClean="0"/>
+              <a:t> and fun</a:t>
+            </a:r>
+            <a:br>
+              <a:rPr lang="fr-FR" sz="3200" i="1" dirty="0" smtClean="0"/>
+            </a:br>
+            <a:r>
               <a:rPr lang="fr-FR" sz="3200" i="1" dirty="0"/>
               <a:t/>
             </a:r>
@@ -10912,11 +11184,11 @@
             </a:r>
             <a:r>
               <a:rPr lang="fr-FR" sz="3200" i="1" dirty="0" err="1" smtClean="0"/>
-              <a:t>is</a:t>
+              <a:t>features</a:t>
             </a:r>
             <a:r>
               <a:rPr lang="fr-FR" sz="3200" i="1" dirty="0" smtClean="0"/>
-              <a:t> </a:t>
+              <a:t> are </a:t>
             </a:r>
             <a:r>
               <a:rPr lang="fr-FR" sz="3200" i="1" dirty="0" err="1" smtClean="0"/>
@@ -10978,23 +11250,75 @@
             </a:r>
             <a:r>
               <a:rPr lang="fr-FR" sz="3200" i="1" dirty="0" err="1" smtClean="0"/>
-              <a:t>Coordinator</a:t>
-            </a:r>
-            <a:r>
-              <a:rPr lang="fr-FR" sz="3200" i="1" dirty="0" smtClean="0"/>
-              <a:t> Mr </a:t>
-            </a:r>
-            <a:r>
-              <a:rPr lang="fr-FR" sz="3200" i="1" dirty="0" err="1" smtClean="0"/>
-              <a:t>Kambang</a:t>
+              <a:t>Coordinators</a:t>
             </a:r>
             <a:r>
               <a:rPr lang="fr-FR" sz="3200" i="1" dirty="0" smtClean="0"/>
               <a:t> </a:t>
             </a:r>
             <a:r>
-              <a:rPr lang="fr-FR" sz="3200" i="1" dirty="0" err="1" smtClean="0"/>
-              <a:t>Sainclaire</a:t>
+              <a:rPr lang="fr-FR" sz="3200" b="1" i="1" dirty="0" smtClean="0">
+                <a:solidFill>
+                  <a:schemeClr val="accent2">
+                    <a:lumMod val="75000"/>
+                  </a:schemeClr>
+                </a:solidFill>
+              </a:rPr>
+              <a:t>Mr </a:t>
+            </a:r>
+            <a:r>
+              <a:rPr lang="fr-FR" sz="3200" b="1" i="1" dirty="0" err="1" smtClean="0">
+                <a:solidFill>
+                  <a:schemeClr val="accent2">
+                    <a:lumMod val="75000"/>
+                  </a:schemeClr>
+                </a:solidFill>
+              </a:rPr>
+              <a:t>Kambang</a:t>
+            </a:r>
+            <a:r>
+              <a:rPr lang="fr-FR" sz="3200" b="1" i="1" dirty="0" smtClean="0">
+                <a:solidFill>
+                  <a:schemeClr val="accent2">
+                    <a:lumMod val="75000"/>
+                  </a:schemeClr>
+                </a:solidFill>
+              </a:rPr>
+              <a:t> </a:t>
+            </a:r>
+            <a:r>
+              <a:rPr lang="fr-FR" sz="3200" b="1" i="1" dirty="0" err="1" smtClean="0">
+                <a:solidFill>
+                  <a:schemeClr val="accent2">
+                    <a:lumMod val="75000"/>
+                  </a:schemeClr>
+                </a:solidFill>
+              </a:rPr>
+              <a:t>Sinclaire</a:t>
+            </a:r>
+            <a:r>
+              <a:rPr lang="fr-FR" sz="3200" b="1" i="1" dirty="0" smtClean="0">
+                <a:solidFill>
+                  <a:schemeClr val="accent2">
+                    <a:lumMod val="75000"/>
+                  </a:schemeClr>
+                </a:solidFill>
+              </a:rPr>
+              <a:t> </a:t>
+            </a:r>
+            <a:r>
+              <a:rPr lang="fr-FR" sz="3200" i="1" dirty="0" smtClean="0"/>
+              <a:t>and </a:t>
+            </a:r>
+            <a:r>
+              <a:rPr lang="fr-FR" sz="3200" i="1" dirty="0" smtClean="0">
+                <a:solidFill>
+                  <a:schemeClr val="accent2">
+                    <a:lumMod val="75000"/>
+                  </a:schemeClr>
+                </a:solidFill>
+              </a:rPr>
+              <a:t>Mr Mua Wallace.</a:t>
             </a:r>
             <a:r>
               <a:rPr lang="fr-FR" i="1" dirty="0" smtClean="0"/>
@@ -11097,23 +11421,27 @@
             <a:pPr algn="ctr"/>
             <a:r>
               <a:rPr lang="en-NZ" dirty="0" smtClean="0"/>
-              <a:t>QUESTIONS</a:t>
+              <a:t/>
             </a:r>
             <a:br>
               <a:rPr lang="en-NZ" dirty="0" smtClean="0"/>
             </a:br>
             <a:r>
+              <a:rPr lang="en-NZ" dirty="0"/>
+              <a:t>QUESTIONS </a:t>
+            </a:r>
+            <a:r>
               <a:rPr lang="en-NZ" dirty="0" smtClean="0"/>
-              <a:t> </a:t>
+              <a:t/>
             </a:r>
             <a:br>
               <a:rPr lang="en-NZ" dirty="0" smtClean="0"/>
             </a:br>
             <a:r>
-              <a:rPr lang="en-NZ" dirty="0" smtClean="0"/>
-              <a:t>???</a:t>
-            </a:r>
-            <a:endParaRPr lang="fr-FR" dirty="0"/>
+              <a:rPr lang="en-NZ" sz="9600" dirty="0" smtClean="0"/>
+              <a:t>?</a:t>
+            </a:r>
+            <a:endParaRPr lang="fr-FR" sz="9600" dirty="0"/>
           </a:p>
         </p:txBody>
       </p:sp>
